--- a/4. Presentation/Spectrum PPT.pptx
+++ b/4. Presentation/Spectrum PPT.pptx
@@ -237,7 +237,7 @@
           <a:p>
             <a:fld id="{0DD51EFA-6533-45C3-8394-23FFC04F750D}" type="datetimeFigureOut">
               <a:rPr lang="en-US" smtClean="0"/>
-              <a:t>4/27/2021</a:t>
+              <a:t>4/29/2021</a:t>
             </a:fld>
             <a:endParaRPr lang="en-US" dirty="0"/>
           </a:p>
@@ -414,7 +414,7 @@
           <a:p>
             <a:fld id="{B7B4C180-10CF-422C-B717-65F1B78C7EB7}" type="datetimeFigureOut">
               <a:rPr lang="en-US" noProof="0" smtClean="0"/>
-              <a:t>4/27/2021</a:t>
+              <a:t>4/29/2021</a:t>
             </a:fld>
             <a:endParaRPr lang="en-US" noProof="0" dirty="0"/>
           </a:p>
@@ -18007,12 +18007,13 @@
               <a:t>E-Commerce Web Application:</a:t>
             </a:r>
             <a:br>
-              <a:rPr lang="en-US" dirty="0"/>
+              <a:rPr lang="en-US"/>
             </a:br>
             <a:r>
-              <a:rPr lang="en-US" dirty="0"/>
-              <a:t>Friend’s Spy</a:t>
-            </a:r>
+              <a:rPr lang="en-US"/>
+              <a:t>Spectrum</a:t>
+            </a:r>
+            <a:endParaRPr lang="en-US" dirty="0"/>
           </a:p>
         </p:txBody>
       </p:sp>
@@ -27791,6 +27792,15 @@
 </file>
 
 <file path=customXml/item1.xml><?xml version="1.0" encoding="utf-8"?>
+<?mso-contentType ?>
+<FormTemplates xmlns="http://schemas.microsoft.com/sharepoint/v3/contenttype/forms">
+  <Display>DocumentLibraryForm</Display>
+  <Edit>DocumentLibraryForm</Edit>
+  <New>DocumentLibraryForm</New>
+</FormTemplates>
+</file>
+
+<file path=customXml/item2.xml><?xml version="1.0" encoding="utf-8"?>
 <ct:contentTypeSchema xmlns:ct="http://schemas.microsoft.com/office/2006/metadata/contentType" xmlns:ma="http://schemas.microsoft.com/office/2006/metadata/properties/metaAttributes" ct:_="" ma:_="" ma:contentTypeName="Document" ma:contentTypeID="0x01010079F111ED35F8CC479449609E8A0923A6" ma:contentTypeVersion="11" ma:contentTypeDescription="Create a new document." ma:contentTypeScope="" ma:versionID="9677210f24a1be23c92c90fd886aa0aa">
   <xsd:schema xmlns:xsd="http://www.w3.org/2001/XMLSchema" xmlns:xs="http://www.w3.org/2001/XMLSchema" xmlns:p="http://schemas.microsoft.com/office/2006/metadata/properties" xmlns:ns2="71af3243-3dd4-4a8d-8c0d-dd76da1f02a5" xmlns:ns3="16c05727-aa75-4e4a-9b5f-8a80a1165891" targetNamespace="http://schemas.microsoft.com/office/2006/metadata/properties" ma:root="true" ma:fieldsID="60e05723c5c1908df1a1a4ebf11d344e" ns2:_="" ns3:_="">
     <xsd:import namespace="71af3243-3dd4-4a8d-8c0d-dd76da1f02a5"/>
@@ -28001,15 +28011,6 @@
 </ct:contentTypeSchema>
 </file>
 
-<file path=customXml/item2.xml><?xml version="1.0" encoding="utf-8"?>
-<?mso-contentType ?>
-<FormTemplates xmlns="http://schemas.microsoft.com/sharepoint/v3/contenttype/forms">
-  <Display>DocumentLibraryForm</Display>
-  <Edit>DocumentLibraryForm</Edit>
-  <New>DocumentLibraryForm</New>
-</FormTemplates>
-</file>
-
 <file path=customXml/item3.xml><?xml version="1.0" encoding="utf-8"?>
 <p:properties xmlns:p="http://schemas.microsoft.com/office/2006/metadata/properties" xmlns:xsi="http://www.w3.org/2001/XMLSchema-instance" xmlns:pc="http://schemas.microsoft.com/office/infopath/2007/PartnerControls">
   <documentManagement>
@@ -28019,6 +28020,14 @@
 </file>
 
 <file path=customXml/itemProps1.xml><?xml version="1.0" encoding="utf-8"?>
+<ds:datastoreItem xmlns:ds="http://schemas.openxmlformats.org/officeDocument/2006/customXml" ds:itemID="{56E3E58C-5E8A-4781-9921-C2B23BC09EB2}">
+  <ds:schemaRefs>
+    <ds:schemaRef ds:uri="http://schemas.microsoft.com/sharepoint/v3/contenttype/forms"/>
+  </ds:schemaRefs>
+</ds:datastoreItem>
+</file>
+
+<file path=customXml/itemProps2.xml><?xml version="1.0" encoding="utf-8"?>
 <ds:datastoreItem xmlns:ds="http://schemas.openxmlformats.org/officeDocument/2006/customXml" ds:itemID="{513094F6-5ADD-4195-AF81-00AF033C96A1}">
   <ds:schemaRefs>
     <ds:schemaRef ds:uri="http://schemas.microsoft.com/office/2006/metadata/contentType"/>
@@ -28037,14 +28046,6 @@
 </ds:datastoreItem>
 </file>
 
-<file path=customXml/itemProps2.xml><?xml version="1.0" encoding="utf-8"?>
-<ds:datastoreItem xmlns:ds="http://schemas.openxmlformats.org/officeDocument/2006/customXml" ds:itemID="{56E3E58C-5E8A-4781-9921-C2B23BC09EB2}">
-  <ds:schemaRefs>
-    <ds:schemaRef ds:uri="http://schemas.microsoft.com/sharepoint/v3/contenttype/forms"/>
-  </ds:schemaRefs>
-</ds:datastoreItem>
-</file>
-
 <file path=customXml/itemProps3.xml><?xml version="1.0" encoding="utf-8"?>
 <ds:datastoreItem xmlns:ds="http://schemas.openxmlformats.org/officeDocument/2006/customXml" ds:itemID="{C9C0BFDF-D948-4F4A-854E-477525F57792}">
   <ds:schemaRefs>
